--- a/SYP(MUH)/SpirintDiagramme.pptx
+++ b/SYP(MUH)/SpirintDiagramme.pptx
@@ -303,7 +303,7 @@
           <a:p>
             <a:fld id="{C69155DF-C770-476E-A493-981EABC0C837}" type="datetimeFigureOut">
               <a:rPr lang="de-AT" smtClean="0"/>
-              <a:t>09.10.2019</a:t>
+              <a:t>11.11.2019</a:t>
             </a:fld>
             <a:endParaRPr lang="de-AT"/>
           </a:p>
@@ -503,7 +503,7 @@
           <a:p>
             <a:fld id="{C69155DF-C770-476E-A493-981EABC0C837}" type="datetimeFigureOut">
               <a:rPr lang="de-AT" smtClean="0"/>
-              <a:t>09.10.2019</a:t>
+              <a:t>11.11.2019</a:t>
             </a:fld>
             <a:endParaRPr lang="de-AT"/>
           </a:p>
@@ -713,7 +713,7 @@
           <a:p>
             <a:fld id="{C69155DF-C770-476E-A493-981EABC0C837}" type="datetimeFigureOut">
               <a:rPr lang="de-AT" smtClean="0"/>
-              <a:t>09.10.2019</a:t>
+              <a:t>11.11.2019</a:t>
             </a:fld>
             <a:endParaRPr lang="de-AT"/>
           </a:p>
@@ -913,7 +913,7 @@
           <a:p>
             <a:fld id="{C69155DF-C770-476E-A493-981EABC0C837}" type="datetimeFigureOut">
               <a:rPr lang="de-AT" smtClean="0"/>
-              <a:t>09.10.2019</a:t>
+              <a:t>11.11.2019</a:t>
             </a:fld>
             <a:endParaRPr lang="de-AT"/>
           </a:p>
@@ -1189,7 +1189,7 @@
           <a:p>
             <a:fld id="{C69155DF-C770-476E-A493-981EABC0C837}" type="datetimeFigureOut">
               <a:rPr lang="de-AT" smtClean="0"/>
-              <a:t>09.10.2019</a:t>
+              <a:t>11.11.2019</a:t>
             </a:fld>
             <a:endParaRPr lang="de-AT"/>
           </a:p>
@@ -1457,7 +1457,7 @@
           <a:p>
             <a:fld id="{C69155DF-C770-476E-A493-981EABC0C837}" type="datetimeFigureOut">
               <a:rPr lang="de-AT" smtClean="0"/>
-              <a:t>09.10.2019</a:t>
+              <a:t>11.11.2019</a:t>
             </a:fld>
             <a:endParaRPr lang="de-AT"/>
           </a:p>
@@ -1872,7 +1872,7 @@
           <a:p>
             <a:fld id="{C69155DF-C770-476E-A493-981EABC0C837}" type="datetimeFigureOut">
               <a:rPr lang="de-AT" smtClean="0"/>
-              <a:t>09.10.2019</a:t>
+              <a:t>11.11.2019</a:t>
             </a:fld>
             <a:endParaRPr lang="de-AT"/>
           </a:p>
@@ -2014,7 +2014,7 @@
           <a:p>
             <a:fld id="{C69155DF-C770-476E-A493-981EABC0C837}" type="datetimeFigureOut">
               <a:rPr lang="de-AT" smtClean="0"/>
-              <a:t>09.10.2019</a:t>
+              <a:t>11.11.2019</a:t>
             </a:fld>
             <a:endParaRPr lang="de-AT"/>
           </a:p>
@@ -2127,7 +2127,7 @@
           <a:p>
             <a:fld id="{C69155DF-C770-476E-A493-981EABC0C837}" type="datetimeFigureOut">
               <a:rPr lang="de-AT" smtClean="0"/>
-              <a:t>09.10.2019</a:t>
+              <a:t>11.11.2019</a:t>
             </a:fld>
             <a:endParaRPr lang="de-AT"/>
           </a:p>
@@ -2440,7 +2440,7 @@
           <a:p>
             <a:fld id="{C69155DF-C770-476E-A493-981EABC0C837}" type="datetimeFigureOut">
               <a:rPr lang="de-AT" smtClean="0"/>
-              <a:t>09.10.2019</a:t>
+              <a:t>11.11.2019</a:t>
             </a:fld>
             <a:endParaRPr lang="de-AT"/>
           </a:p>
@@ -2729,7 +2729,7 @@
           <a:p>
             <a:fld id="{C69155DF-C770-476E-A493-981EABC0C837}" type="datetimeFigureOut">
               <a:rPr lang="de-AT" smtClean="0"/>
-              <a:t>09.10.2019</a:t>
+              <a:t>11.11.2019</a:t>
             </a:fld>
             <a:endParaRPr lang="de-AT"/>
           </a:p>
@@ -2972,7 +2972,7 @@
           <a:p>
             <a:fld id="{C69155DF-C770-476E-A493-981EABC0C837}" type="datetimeFigureOut">
               <a:rPr lang="de-AT" smtClean="0"/>
-              <a:t>09.10.2019</a:t>
+              <a:t>11.11.2019</a:t>
             </a:fld>
             <a:endParaRPr lang="de-AT"/>
           </a:p>
@@ -4266,7 +4266,7 @@
         </p:blipFill>
         <p:spPr>
           <a:xfrm>
-            <a:off x="3917656" y="167751"/>
+            <a:off x="7221846" y="3790877"/>
             <a:ext cx="1040986" cy="711694"/>
           </a:xfrm>
           <a:prstGeom prst="rect">
@@ -4288,7 +4288,7 @@
         </p:nvSpPr>
         <p:spPr>
           <a:xfrm>
-            <a:off x="4581645" y="98861"/>
+            <a:off x="7885835" y="3721987"/>
             <a:ext cx="1326566" cy="369332"/>
           </a:xfrm>
           <a:prstGeom prst="rect">
@@ -4440,7 +4440,7 @@
         <p:spPr>
           <a:xfrm>
             <a:off x="1341120" y="3693778"/>
-            <a:ext cx="6929120" cy="796942"/>
+            <a:ext cx="5507915" cy="796942"/>
           </a:xfrm>
           <a:prstGeom prst="rect">
             <a:avLst/>
@@ -4548,107 +4548,6 @@
               </a:rPr>
               <a:t>; Jersey</a:t>
             </a:r>
-          </a:p>
-        </p:txBody>
-      </p:sp>
-      <p:sp>
-        <p:nvSpPr>
-          <p:cNvPr id="13" name="Pfeil: nach links und rechts 12">
-            <a:extLst>
-              <a:ext uri="{FF2B5EF4-FFF2-40B4-BE49-F238E27FC236}">
-                <a16:creationId xmlns:a16="http://schemas.microsoft.com/office/drawing/2014/main" id="{6E1F9CC0-5F07-41AC-8405-86D3BDF8039B}"/>
-              </a:ext>
-            </a:extLst>
-          </p:cNvPr>
-          <p:cNvSpPr/>
-          <p:nvPr/>
-        </p:nvSpPr>
-        <p:spPr>
-          <a:xfrm rot="7846081">
-            <a:off x="6289554" y="3027270"/>
-            <a:ext cx="961435" cy="370524"/>
-          </a:xfrm>
-          <a:prstGeom prst="leftRightArrow">
-            <a:avLst/>
-          </a:prstGeom>
-          <a:gradFill flip="none" rotWithShape="1">
-            <a:gsLst>
-              <a:gs pos="0">
-                <a:schemeClr val="tx1">
-                  <a:lumMod val="95000"/>
-                  <a:lumOff val="5000"/>
-                  <a:tint val="66000"/>
-                  <a:satMod val="160000"/>
-                </a:schemeClr>
-              </a:gs>
-              <a:gs pos="50000">
-                <a:schemeClr val="tx1">
-                  <a:lumMod val="95000"/>
-                  <a:lumOff val="5000"/>
-                  <a:tint val="44500"/>
-                  <a:satMod val="160000"/>
-                </a:schemeClr>
-              </a:gs>
-              <a:gs pos="100000">
-                <a:schemeClr val="tx1">
-                  <a:lumMod val="95000"/>
-                  <a:lumOff val="5000"/>
-                  <a:tint val="23500"/>
-                  <a:satMod val="160000"/>
-                </a:schemeClr>
-              </a:gs>
-            </a:gsLst>
-            <a:lin ang="8100000" scaled="1"/>
-            <a:tileRect/>
-          </a:gradFill>
-          <a:ln>
-            <a:solidFill>
-              <a:schemeClr val="tx1">
-                <a:lumMod val="95000"/>
-                <a:lumOff val="5000"/>
-              </a:schemeClr>
-            </a:solidFill>
-          </a:ln>
-        </p:spPr>
-        <p:style>
-          <a:lnRef idx="2">
-            <a:schemeClr val="accent1">
-              <a:shade val="50000"/>
-            </a:schemeClr>
-          </a:lnRef>
-          <a:fillRef idx="1">
-            <a:schemeClr val="accent1"/>
-          </a:fillRef>
-          <a:effectRef idx="0">
-            <a:schemeClr val="accent1"/>
-          </a:effectRef>
-          <a:fontRef idx="minor">
-            <a:schemeClr val="lt1"/>
-          </a:fontRef>
-        </p:style>
-        <p:txBody>
-          <a:bodyPr rot="0" spcFirstLastPara="0" vertOverflow="overflow" horzOverflow="overflow" vert="horz" wrap="square" lIns="91440" tIns="45720" rIns="91440" bIns="45720" numCol="1" spcCol="0" rtlCol="0" fromWordArt="0" anchor="ctr" anchorCtr="0" forceAA="0" compatLnSpc="1">
-            <a:prstTxWarp prst="textNoShape">
-              <a:avLst/>
-            </a:prstTxWarp>
-            <a:noAutofit/>
-          </a:bodyPr>
-          <a:lstStyle/>
-          <a:p>
-            <a:pPr algn="ctr"/>
-            <a:endParaRPr lang="de-AT">
-              <a:ln w="0"/>
-              <a:solidFill>
-                <a:schemeClr val="accent1"/>
-              </a:solidFill>
-              <a:effectLst>
-                <a:outerShdw blurRad="38100" dist="25400" dir="5400000" algn="ctr" rotWithShape="0">
-                  <a:srgbClr val="6E747A">
-                    <a:alpha val="43000"/>
-                  </a:srgbClr>
-                </a:outerShdw>
-              </a:effectLst>
-            </a:endParaRPr>
           </a:p>
         </p:txBody>
       </p:sp>
@@ -4743,7 +4642,7 @@
         </p:nvSpPr>
         <p:spPr>
           <a:xfrm>
-            <a:off x="1064858" y="1734997"/>
+            <a:off x="1730873" y="1734997"/>
             <a:ext cx="2120779" cy="1001022"/>
           </a:xfrm>
           <a:prstGeom prst="rect">
@@ -4827,10 +4726,10 @@
       </p:sp>
       <p:sp>
         <p:nvSpPr>
-          <p:cNvPr id="14" name="Pfeil: nach links und rechts 13">
-            <a:extLst>
-              <a:ext uri="{FF2B5EF4-FFF2-40B4-BE49-F238E27FC236}">
-                <a16:creationId xmlns:a16="http://schemas.microsoft.com/office/drawing/2014/main" id="{2B785EE0-35A8-4BEB-AB17-DC110ACBD327}"/>
+          <p:cNvPr id="16" name="Rechteck 15">
+            <a:extLst>
+              <a:ext uri="{FF2B5EF4-FFF2-40B4-BE49-F238E27FC236}">
+                <a16:creationId xmlns:a16="http://schemas.microsoft.com/office/drawing/2014/main" id="{4CDBCEED-F767-490F-ACBC-524E00BA5A02}"/>
               </a:ext>
             </a:extLst>
           </p:cNvPr>
@@ -4838,179 +4737,8 @@
           <p:nvPr/>
         </p:nvSpPr>
         <p:spPr>
-          <a:xfrm rot="3313071">
-            <a:off x="1995963" y="3022599"/>
-            <a:ext cx="961435" cy="370524"/>
-          </a:xfrm>
-          <a:prstGeom prst="leftRightArrow">
-            <a:avLst/>
-          </a:prstGeom>
-          <a:gradFill flip="none" rotWithShape="1">
-            <a:gsLst>
-              <a:gs pos="0">
-                <a:schemeClr val="tx1">
-                  <a:lumMod val="95000"/>
-                  <a:lumOff val="5000"/>
-                  <a:tint val="66000"/>
-                  <a:satMod val="160000"/>
-                </a:schemeClr>
-              </a:gs>
-              <a:gs pos="50000">
-                <a:schemeClr val="tx1">
-                  <a:lumMod val="95000"/>
-                  <a:lumOff val="5000"/>
-                  <a:tint val="44500"/>
-                  <a:satMod val="160000"/>
-                </a:schemeClr>
-              </a:gs>
-              <a:gs pos="100000">
-                <a:schemeClr val="tx1">
-                  <a:lumMod val="95000"/>
-                  <a:lumOff val="5000"/>
-                  <a:tint val="23500"/>
-                  <a:satMod val="160000"/>
-                </a:schemeClr>
-              </a:gs>
-            </a:gsLst>
-            <a:lin ang="8100000" scaled="1"/>
-            <a:tileRect/>
-          </a:gradFill>
-          <a:ln>
-            <a:solidFill>
-              <a:schemeClr val="tx1">
-                <a:lumMod val="95000"/>
-                <a:lumOff val="5000"/>
-              </a:schemeClr>
-            </a:solidFill>
-          </a:ln>
-        </p:spPr>
-        <p:style>
-          <a:lnRef idx="2">
-            <a:schemeClr val="accent1">
-              <a:shade val="50000"/>
-            </a:schemeClr>
-          </a:lnRef>
-          <a:fillRef idx="1">
-            <a:schemeClr val="accent1"/>
-          </a:fillRef>
-          <a:effectRef idx="0">
-            <a:schemeClr val="accent1"/>
-          </a:effectRef>
-          <a:fontRef idx="minor">
-            <a:schemeClr val="lt1"/>
-          </a:fontRef>
-        </p:style>
-        <p:txBody>
-          <a:bodyPr rot="0" spcFirstLastPara="0" vertOverflow="overflow" horzOverflow="overflow" vert="horz" wrap="square" lIns="91440" tIns="45720" rIns="91440" bIns="45720" numCol="1" spcCol="0" rtlCol="0" fromWordArt="0" anchor="ctr" anchorCtr="0" forceAA="0" compatLnSpc="1">
-            <a:prstTxWarp prst="textNoShape">
-              <a:avLst/>
-            </a:prstTxWarp>
-            <a:noAutofit/>
-          </a:bodyPr>
-          <a:lstStyle/>
-          <a:p>
-            <a:pPr algn="ctr"/>
-            <a:endParaRPr lang="de-AT">
-              <a:ln w="0"/>
-              <a:solidFill>
-                <a:schemeClr val="accent1"/>
-              </a:solidFill>
-              <a:effectLst>
-                <a:outerShdw blurRad="38100" dist="25400" dir="5400000" algn="ctr" rotWithShape="0">
-                  <a:srgbClr val="6E747A">
-                    <a:alpha val="43000"/>
-                  </a:srgbClr>
-                </a:outerShdw>
-              </a:effectLst>
-            </a:endParaRPr>
-          </a:p>
-        </p:txBody>
-      </p:sp>
-      <p:sp>
-        <p:nvSpPr>
-          <p:cNvPr id="15" name="Pfeil: nach links und rechts 14">
-            <a:extLst>
-              <a:ext uri="{FF2B5EF4-FFF2-40B4-BE49-F238E27FC236}">
-                <a16:creationId xmlns:a16="http://schemas.microsoft.com/office/drawing/2014/main" id="{E734D4E5-3736-4126-86AC-3D2708F2B5B9}"/>
-              </a:ext>
-            </a:extLst>
-          </p:cNvPr>
-          <p:cNvSpPr/>
-          <p:nvPr/>
-        </p:nvSpPr>
-        <p:spPr>
-          <a:xfrm rot="1734174">
-            <a:off x="5251990" y="1014688"/>
-            <a:ext cx="1283890" cy="360097"/>
-          </a:xfrm>
-          <a:prstGeom prst="leftRightArrow">
-            <a:avLst/>
-          </a:prstGeom>
-          <a:gradFill flip="none" rotWithShape="1">
-            <a:gsLst>
-              <a:gs pos="0">
-                <a:schemeClr val="dk1">
-                  <a:tint val="66000"/>
-                  <a:satMod val="160000"/>
-                </a:schemeClr>
-              </a:gs>
-              <a:gs pos="50000">
-                <a:schemeClr val="dk1">
-                  <a:tint val="44500"/>
-                  <a:satMod val="160000"/>
-                </a:schemeClr>
-              </a:gs>
-              <a:gs pos="100000">
-                <a:schemeClr val="dk1">
-                  <a:tint val="23500"/>
-                  <a:satMod val="160000"/>
-                </a:schemeClr>
-              </a:gs>
-            </a:gsLst>
-            <a:lin ang="5400000" scaled="1"/>
-            <a:tileRect/>
-          </a:gradFill>
-        </p:spPr>
-        <p:style>
-          <a:lnRef idx="2">
-            <a:schemeClr val="dk1">
-              <a:shade val="50000"/>
-            </a:schemeClr>
-          </a:lnRef>
-          <a:fillRef idx="1">
-            <a:schemeClr val="dk1"/>
-          </a:fillRef>
-          <a:effectRef idx="0">
-            <a:schemeClr val="dk1"/>
-          </a:effectRef>
-          <a:fontRef idx="minor">
-            <a:schemeClr val="lt1"/>
-          </a:fontRef>
-        </p:style>
-        <p:txBody>
-          <a:bodyPr rtlCol="0" anchor="ctr"/>
-          <a:lstStyle/>
-          <a:p>
-            <a:pPr algn="ctr"/>
-            <a:endParaRPr lang="de-AT"/>
-          </a:p>
-        </p:txBody>
-      </p:sp>
-      <p:sp>
-        <p:nvSpPr>
-          <p:cNvPr id="16" name="Rechteck 15">
-            <a:extLst>
-              <a:ext uri="{FF2B5EF4-FFF2-40B4-BE49-F238E27FC236}">
-                <a16:creationId xmlns:a16="http://schemas.microsoft.com/office/drawing/2014/main" id="{4CDBCEED-F767-490F-ACBC-524E00BA5A02}"/>
-              </a:ext>
-            </a:extLst>
-          </p:cNvPr>
-          <p:cNvSpPr/>
-          <p:nvPr/>
-        </p:nvSpPr>
-        <p:spPr>
           <a:xfrm>
-            <a:off x="6316053" y="1734997"/>
+            <a:off x="5788152" y="1734997"/>
             <a:ext cx="1954187" cy="996290"/>
           </a:xfrm>
           <a:prstGeom prst="rect">
@@ -5110,10 +4838,10 @@
       </p:sp>
       <p:sp>
         <p:nvSpPr>
-          <p:cNvPr id="19" name="Pfeil: nach links und rechts 18">
-            <a:extLst>
-              <a:ext uri="{FF2B5EF4-FFF2-40B4-BE49-F238E27FC236}">
-                <a16:creationId xmlns:a16="http://schemas.microsoft.com/office/drawing/2014/main" id="{00893DE2-6ADA-4000-BEBB-106472437E9D}"/>
+          <p:cNvPr id="21" name="Pfeil: nach links und rechts 20">
+            <a:extLst>
+              <a:ext uri="{FF2B5EF4-FFF2-40B4-BE49-F238E27FC236}">
+                <a16:creationId xmlns:a16="http://schemas.microsoft.com/office/drawing/2014/main" id="{260C2D86-A3A1-48CC-A4CF-FD0D3ECCAF13}"/>
               </a:ext>
             </a:extLst>
           </p:cNvPr>
@@ -5121,9 +4849,9 @@
           <p:nvPr/>
         </p:nvSpPr>
         <p:spPr>
-          <a:xfrm rot="8754073">
-            <a:off x="2543692" y="1045967"/>
-            <a:ext cx="1283890" cy="360097"/>
+          <a:xfrm rot="5400000">
+            <a:off x="5015046" y="3038469"/>
+            <a:ext cx="709460" cy="321690"/>
           </a:xfrm>
           <a:prstGeom prst="leftRightArrow">
             <a:avLst/>
@@ -5180,10 +4908,10 @@
       </p:sp>
       <p:sp>
         <p:nvSpPr>
-          <p:cNvPr id="20" name="Pfeil: nach links und rechts 19">
-            <a:extLst>
-              <a:ext uri="{FF2B5EF4-FFF2-40B4-BE49-F238E27FC236}">
-                <a16:creationId xmlns:a16="http://schemas.microsoft.com/office/drawing/2014/main" id="{0E459A11-AEAC-49B1-9DF4-3FBA384D1AC8}"/>
+          <p:cNvPr id="18" name="Rechteck 17">
+            <a:extLst>
+              <a:ext uri="{FF2B5EF4-FFF2-40B4-BE49-F238E27FC236}">
+                <a16:creationId xmlns:a16="http://schemas.microsoft.com/office/drawing/2014/main" id="{8AF33DE3-0E4D-4984-8C95-5E2BAC48E08E}"/>
               </a:ext>
             </a:extLst>
           </p:cNvPr>
@@ -5191,49 +4919,49 @@
           <p:nvPr/>
         </p:nvSpPr>
         <p:spPr>
-          <a:xfrm rot="5400000">
-            <a:off x="4098638" y="1179622"/>
-            <a:ext cx="709460" cy="256553"/>
+          <a:xfrm>
+            <a:off x="7749343" y="1739729"/>
+            <a:ext cx="1954187" cy="996290"/>
           </a:xfrm>
-          <a:prstGeom prst="leftRightArrow">
+          <a:prstGeom prst="rect">
             <a:avLst/>
           </a:prstGeom>
           <a:gradFill flip="none" rotWithShape="1">
             <a:gsLst>
               <a:gs pos="0">
-                <a:schemeClr val="dk1">
+                <a:schemeClr val="accent1">
                   <a:tint val="66000"/>
                   <a:satMod val="160000"/>
                 </a:schemeClr>
               </a:gs>
               <a:gs pos="50000">
-                <a:schemeClr val="dk1">
+                <a:schemeClr val="accent1">
                   <a:tint val="44500"/>
                   <a:satMod val="160000"/>
                 </a:schemeClr>
               </a:gs>
               <a:gs pos="100000">
-                <a:schemeClr val="dk1">
+                <a:schemeClr val="accent1">
                   <a:tint val="23500"/>
                   <a:satMod val="160000"/>
                 </a:schemeClr>
               </a:gs>
             </a:gsLst>
-            <a:lin ang="5400000" scaled="1"/>
+            <a:lin ang="10800000" scaled="1"/>
             <a:tileRect/>
           </a:gradFill>
         </p:spPr>
         <p:style>
           <a:lnRef idx="2">
-            <a:schemeClr val="dk1">
+            <a:schemeClr val="accent1">
               <a:shade val="50000"/>
             </a:schemeClr>
           </a:lnRef>
           <a:fillRef idx="1">
-            <a:schemeClr val="dk1"/>
+            <a:schemeClr val="accent1"/>
           </a:fillRef>
           <a:effectRef idx="0">
-            <a:schemeClr val="dk1"/>
+            <a:schemeClr val="accent1"/>
           </a:effectRef>
           <a:fontRef idx="minor">
             <a:schemeClr val="lt1"/>
@@ -5244,16 +4972,58 @@
           <a:lstStyle/>
           <a:p>
             <a:pPr algn="ctr"/>
-            <a:endParaRPr lang="de-AT"/>
-          </a:p>
-        </p:txBody>
-      </p:sp>
-      <p:sp>
-        <p:nvSpPr>
-          <p:cNvPr id="21" name="Pfeil: nach links und rechts 20">
-            <a:extLst>
-              <a:ext uri="{FF2B5EF4-FFF2-40B4-BE49-F238E27FC236}">
-                <a16:creationId xmlns:a16="http://schemas.microsoft.com/office/drawing/2014/main" id="{260C2D86-A3A1-48CC-A4CF-FD0D3ECCAF13}"/>
+            <a:r>
+              <a:rPr lang="de-AT" dirty="0">
+                <a:solidFill>
+                  <a:schemeClr val="tx1"/>
+                </a:solidFill>
+              </a:rPr>
+              <a:t>Webapp</a:t>
+            </a:r>
+          </a:p>
+          <a:p>
+            <a:pPr algn="ctr"/>
+            <a:r>
+              <a:rPr lang="de-AT" dirty="0">
+                <a:solidFill>
+                  <a:schemeClr val="tx1"/>
+                </a:solidFill>
+              </a:rPr>
+              <a:t>Prämien CRUD</a:t>
+            </a:r>
+          </a:p>
+          <a:p>
+            <a:pPr algn="ctr"/>
+            <a:r>
+              <a:rPr lang="de-AT" dirty="0">
+                <a:solidFill>
+                  <a:schemeClr val="tx1"/>
+                </a:solidFill>
+              </a:rPr>
+              <a:t>SW: </a:t>
+            </a:r>
+            <a:r>
+              <a:rPr lang="de-AT" dirty="0" err="1">
+                <a:solidFill>
+                  <a:schemeClr val="tx1"/>
+                </a:solidFill>
+              </a:rPr>
+              <a:t>Vue.Js</a:t>
+            </a:r>
+            <a:endParaRPr lang="de-AT" dirty="0">
+              <a:solidFill>
+                <a:schemeClr val="tx1"/>
+              </a:solidFill>
+            </a:endParaRPr>
+          </a:p>
+        </p:txBody>
+      </p:sp>
+      <p:sp>
+        <p:nvSpPr>
+          <p:cNvPr id="22" name="Pfeil: nach links und rechts 21">
+            <a:extLst>
+              <a:ext uri="{FF2B5EF4-FFF2-40B4-BE49-F238E27FC236}">
+                <a16:creationId xmlns:a16="http://schemas.microsoft.com/office/drawing/2014/main" id="{3138E9CF-FDB7-4D8D-BD5D-627A4E760DE9}"/>
               </a:ext>
             </a:extLst>
           </p:cNvPr>
@@ -5262,8 +5032,8 @@
         </p:nvSpPr>
         <p:spPr>
           <a:xfrm rot="5400000">
-            <a:off x="4450949" y="3082353"/>
-            <a:ext cx="709460" cy="256553"/>
+            <a:off x="7027961" y="3100237"/>
+            <a:ext cx="709460" cy="321690"/>
           </a:xfrm>
           <a:prstGeom prst="leftRightArrow">
             <a:avLst/>

--- a/SYP(MUH)/SpirintDiagramme.pptx
+++ b/SYP(MUH)/SpirintDiagramme.pptx
@@ -4989,7 +4989,7 @@
                   <a:schemeClr val="tx1"/>
                 </a:solidFill>
               </a:rPr>
-              <a:t>Prämien CRUD</a:t>
+              <a:t>Rezension CRUD</a:t>
             </a:r>
           </a:p>
           <a:p>
